--- a/weather-forecast/notes/Project-presentation.pptx
+++ b/weather-forecast/notes/Project-presentation.pptx
@@ -106,6 +106,11 @@
       </a:defRPr>
     </a:lvl9pPr>
   </p:defaultTextStyle>
+  <p:extLst>
+    <p:ext uri="{EFAFB233-063F-42B5-8137-9DF3F51BA10A}">
+      <p15:sldGuideLst xmlns:p15="http://schemas.microsoft.com/office/powerpoint/2012/main"/>
+    </p:ext>
+  </p:extLst>
 </p:presentation>
 </file>
 
@@ -377,6 +382,9 @@
   <p:clrMapOvr>
     <a:masterClrMapping/>
   </p:clrMapOvr>
+  <p:transition spd="slow">
+    <p:push/>
+  </p:transition>
 </p:sldLayout>
 </file>
 
@@ -519,10 +527,9 @@
           </a:lstStyle>
           <a:p>
             <a:r>
-              <a:rPr lang="en-US"/>
+              <a:rPr lang="en-US" dirty="0"/>
               <a:t>Click icon to add picture</a:t>
             </a:r>
-            <a:endParaRPr lang="en-US" dirty="0"/>
           </a:p>
         </p:txBody>
       </p:sp>
@@ -665,6 +672,9 @@
   <p:clrMapOvr>
     <a:masterClrMapping/>
   </p:clrMapOvr>
+  <p:transition spd="slow">
+    <p:push/>
+  </p:transition>
 </p:sldLayout>
 </file>
 
@@ -921,6 +931,9 @@
   <p:clrMapOvr>
     <a:masterClrMapping/>
   </p:clrMapOvr>
+  <p:transition spd="slow">
+    <p:push/>
+  </p:transition>
 </p:sldLayout>
 </file>
 
@@ -1387,6 +1400,9 @@
   <p:clrMapOvr>
     <a:masterClrMapping/>
   </p:clrMapOvr>
+  <p:transition spd="slow">
+    <p:push/>
+  </p:transition>
 </p:sldLayout>
 </file>
 
@@ -1564,6 +1580,9 @@
   <p:clrMapOvr>
     <a:masterClrMapping/>
   </p:clrMapOvr>
+  <p:transition spd="slow">
+    <p:push/>
+  </p:transition>
 </p:sldLayout>
 </file>
 
@@ -2137,6 +2156,9 @@
   <p:clrMapOvr>
     <a:masterClrMapping/>
   </p:clrMapOvr>
+  <p:transition spd="slow">
+    <p:push/>
+  </p:transition>
 </p:sldLayout>
 </file>
 
@@ -2466,6 +2488,9 @@
   <p:clrMapOvr>
     <a:masterClrMapping/>
   </p:clrMapOvr>
+  <p:transition spd="slow">
+    <p:push/>
+  </p:transition>
 </p:sldLayout>
 </file>
 
@@ -2638,6 +2663,9 @@
   <p:clrMapOvr>
     <a:masterClrMapping/>
   </p:clrMapOvr>
+  <p:transition spd="slow">
+    <p:push/>
+  </p:transition>
 </p:sldLayout>
 </file>
 
@@ -2815,6 +2843,9 @@
   <p:clrMapOvr>
     <a:masterClrMapping/>
   </p:clrMapOvr>
+  <p:transition spd="slow">
+    <p:push/>
+  </p:transition>
 </p:sldLayout>
 </file>
 
@@ -2982,6 +3013,9 @@
   <p:clrMapOvr>
     <a:masterClrMapping/>
   </p:clrMapOvr>
+  <p:transition spd="slow">
+    <p:push/>
+  </p:transition>
 </p:sldLayout>
 </file>
 
@@ -3236,6 +3270,9 @@
   <p:clrMapOvr>
     <a:masterClrMapping/>
   </p:clrMapOvr>
+  <p:transition spd="slow">
+    <p:push/>
+  </p:transition>
 </p:sldLayout>
 </file>
 
@@ -3525,6 +3562,9 @@
   <p:clrMapOvr>
     <a:masterClrMapping/>
   </p:clrMapOvr>
+  <p:transition spd="slow">
+    <p:push/>
+  </p:transition>
 </p:sldLayout>
 </file>
 
@@ -3952,6 +3992,9 @@
   <p:clrMapOvr>
     <a:masterClrMapping/>
   </p:clrMapOvr>
+  <p:transition spd="slow">
+    <p:push/>
+  </p:transition>
 </p:sldLayout>
 </file>
 
@@ -4067,6 +4110,9 @@
   <p:clrMapOvr>
     <a:masterClrMapping/>
   </p:clrMapOvr>
+  <p:transition spd="slow">
+    <p:push/>
+  </p:transition>
 </p:sldLayout>
 </file>
 
@@ -4159,6 +4205,9 @@
   <p:clrMapOvr>
     <a:masterClrMapping/>
   </p:clrMapOvr>
+  <p:transition spd="slow">
+    <p:push/>
+  </p:transition>
 </p:sldLayout>
 </file>
 
@@ -4439,6 +4488,9 @@
   <p:clrMapOvr>
     <a:masterClrMapping/>
   </p:clrMapOvr>
+  <p:transition spd="slow">
+    <p:push/>
+  </p:transition>
 </p:sldLayout>
 </file>
 
@@ -4576,10 +4628,9 @@
           </a:lstStyle>
           <a:p>
             <a:r>
-              <a:rPr lang="en-US"/>
+              <a:rPr lang="en-US" dirty="0"/>
               <a:t>Click icon to add picture</a:t>
             </a:r>
-            <a:endParaRPr lang="en-US" dirty="0"/>
           </a:p>
         </p:txBody>
       </p:sp>
@@ -4737,6 +4788,9 @@
   <p:clrMapOvr>
     <a:masterClrMapping/>
   </p:clrMapOvr>
+  <p:transition spd="slow">
+    <p:push/>
+  </p:transition>
 </p:sldLayout>
 </file>
 
@@ -5024,6 +5078,9 @@
     <p:sldLayoutId id="2147483658" r:id="rId16"/>
     <p:sldLayoutId id="2147483659" r:id="rId17"/>
   </p:sldLayoutIdLst>
+  <p:transition spd="slow">
+    <p:push/>
+  </p:transition>
   <p:txStyles>
     <p:titleStyle>
       <a:lvl1pPr algn="l" defTabSz="457200" rtl="0" eaLnBrk="1" latinLnBrk="0" hangingPunct="1">
@@ -5732,6 +5789,18 @@
   <p:clrMapOvr>
     <a:masterClrMapping/>
   </p:clrMapOvr>
+  <mc:AlternateContent xmlns:mc="http://schemas.openxmlformats.org/markup-compatibility/2006">
+    <mc:Choice xmlns:p14="http://schemas.microsoft.com/office/powerpoint/2010/main" Requires="p14">
+      <p:transition spd="slow">
+        <p14:reveal/>
+      </p:transition>
+    </mc:Choice>
+    <mc:Fallback>
+      <p:transition spd="slow">
+        <p:fade/>
+      </p:transition>
+    </mc:Fallback>
+  </mc:AlternateContent>
 </p:sld>
 </file>
 
@@ -5818,6 +5887,9 @@
   <p:clrMapOvr>
     <a:masterClrMapping/>
   </p:clrMapOvr>
+  <p:transition spd="slow">
+    <p:randomBar dir="vert"/>
+  </p:transition>
 </p:sld>
 </file>
 
@@ -5922,6 +5994,9 @@
   <p:clrMapOvr>
     <a:masterClrMapping/>
   </p:clrMapOvr>
+  <p:transition spd="slow">
+    <p:randomBar dir="vert"/>
+  </p:transition>
 </p:sld>
 </file>
 

--- a/weather-forecast/notes/Project-presentation.pptx
+++ b/weather-forecast/notes/Project-presentation.pptx
@@ -5789,13 +5789,13 @@
   <p:clrMapOvr>
     <a:masterClrMapping/>
   </p:clrMapOvr>
-  <mc:AlternateContent xmlns:mc="http://schemas.openxmlformats.org/markup-compatibility/2006">
-    <mc:Choice xmlns:p14="http://schemas.microsoft.com/office/powerpoint/2010/main" Requires="p14">
+  <mc:AlternateContent xmlns:mc="http://schemas.openxmlformats.org/markup-compatibility/2006" xmlns:p14="http://schemas.microsoft.com/office/powerpoint/2010/main">
+    <mc:Choice Requires="p14">
       <p:transition spd="slow">
         <p14:reveal/>
       </p:transition>
     </mc:Choice>
-    <mc:Fallback>
+    <mc:Fallback xmlns="">
       <p:transition spd="slow">
         <p:fade/>
       </p:transition>
@@ -5888,7 +5888,7 @@
     <a:masterClrMapping/>
   </p:clrMapOvr>
   <p:transition spd="slow">
-    <p:randomBar dir="vert"/>
+    <p:wipe/>
   </p:transition>
 </p:sld>
 </file>
@@ -5995,7 +5995,7 @@
     <a:masterClrMapping/>
   </p:clrMapOvr>
   <p:transition spd="slow">
-    <p:randomBar dir="vert"/>
+    <p:wipe/>
   </p:transition>
 </p:sld>
 </file>

--- a/weather-forecast/notes/Project-presentation.pptx
+++ b/weather-forecast/notes/Project-presentation.pptx
@@ -5887,9 +5887,18 @@
   <p:clrMapOvr>
     <a:masterClrMapping/>
   </p:clrMapOvr>
-  <p:transition spd="slow">
-    <p:wipe/>
-  </p:transition>
+  <mc:AlternateContent xmlns:mc="http://schemas.openxmlformats.org/markup-compatibility/2006">
+    <mc:Choice xmlns:p14="http://schemas.microsoft.com/office/powerpoint/2010/main" Requires="p14">
+      <p:transition spd="slow" p14:dur="1600">
+        <p:blinds dir="vert"/>
+      </p:transition>
+    </mc:Choice>
+    <mc:Fallback>
+      <p:transition spd="slow">
+        <p:blinds dir="vert"/>
+      </p:transition>
+    </mc:Fallback>
+  </mc:AlternateContent>
 </p:sld>
 </file>
 
@@ -5994,9 +6003,18 @@
   <p:clrMapOvr>
     <a:masterClrMapping/>
   </p:clrMapOvr>
-  <p:transition spd="slow">
-    <p:wipe/>
-  </p:transition>
+  <mc:AlternateContent xmlns:mc="http://schemas.openxmlformats.org/markup-compatibility/2006">
+    <mc:Choice xmlns:p14="http://schemas.microsoft.com/office/powerpoint/2010/main" Requires="p14">
+      <p:transition spd="slow" p14:dur="1600">
+        <p:blinds dir="vert"/>
+      </p:transition>
+    </mc:Choice>
+    <mc:Fallback>
+      <p:transition spd="slow">
+        <p:blinds dir="vert"/>
+      </p:transition>
+    </mc:Fallback>
+  </mc:AlternateContent>
 </p:sld>
 </file>
 
